--- a/data analysis/alpha_SNR_2017-9-27.pptx
+++ b/data analysis/alpha_SNR_2017-9-27.pptx
@@ -227,7 +227,7 @@
           <a:p>
             <a:fld id="{7632A2B4-7209-462E-905F-37D9BF206B00}" type="datetimeFigureOut">
               <a:rPr lang="en-US" smtClean="0"/>
-              <a:t>9/27/2017</a:t>
+              <a:t>9/28/2017</a:t>
             </a:fld>
             <a:endParaRPr lang="en-US"/>
           </a:p>
@@ -710,7 +710,7 @@
           <a:p>
             <a:fld id="{6F81013B-5B06-4D28-96F1-D627B35C6F6A}" type="datetimeFigureOut">
               <a:rPr lang="en-US" smtClean="0"/>
-              <a:t>9/27/2017</a:t>
+              <a:t>9/28/2017</a:t>
             </a:fld>
             <a:endParaRPr lang="en-US"/>
           </a:p>
@@ -880,7 +880,7 @@
           <a:p>
             <a:fld id="{6F81013B-5B06-4D28-96F1-D627B35C6F6A}" type="datetimeFigureOut">
               <a:rPr lang="en-US" smtClean="0"/>
-              <a:t>9/27/2017</a:t>
+              <a:t>9/28/2017</a:t>
             </a:fld>
             <a:endParaRPr lang="en-US"/>
           </a:p>
@@ -1060,7 +1060,7 @@
           <a:p>
             <a:fld id="{6F81013B-5B06-4D28-96F1-D627B35C6F6A}" type="datetimeFigureOut">
               <a:rPr lang="en-US" smtClean="0"/>
-              <a:t>9/27/2017</a:t>
+              <a:t>9/28/2017</a:t>
             </a:fld>
             <a:endParaRPr lang="en-US"/>
           </a:p>
@@ -1230,7 +1230,7 @@
           <a:p>
             <a:fld id="{6F81013B-5B06-4D28-96F1-D627B35C6F6A}" type="datetimeFigureOut">
               <a:rPr lang="en-US" smtClean="0"/>
-              <a:t>9/27/2017</a:t>
+              <a:t>9/28/2017</a:t>
             </a:fld>
             <a:endParaRPr lang="en-US"/>
           </a:p>
@@ -1476,7 +1476,7 @@
           <a:p>
             <a:fld id="{6F81013B-5B06-4D28-96F1-D627B35C6F6A}" type="datetimeFigureOut">
               <a:rPr lang="en-US" smtClean="0"/>
-              <a:t>9/27/2017</a:t>
+              <a:t>9/28/2017</a:t>
             </a:fld>
             <a:endParaRPr lang="en-US"/>
           </a:p>
@@ -1708,7 +1708,7 @@
           <a:p>
             <a:fld id="{6F81013B-5B06-4D28-96F1-D627B35C6F6A}" type="datetimeFigureOut">
               <a:rPr lang="en-US" smtClean="0"/>
-              <a:t>9/27/2017</a:t>
+              <a:t>9/28/2017</a:t>
             </a:fld>
             <a:endParaRPr lang="en-US"/>
           </a:p>
@@ -2075,7 +2075,7 @@
           <a:p>
             <a:fld id="{6F81013B-5B06-4D28-96F1-D627B35C6F6A}" type="datetimeFigureOut">
               <a:rPr lang="en-US" smtClean="0"/>
-              <a:t>9/27/2017</a:t>
+              <a:t>9/28/2017</a:t>
             </a:fld>
             <a:endParaRPr lang="en-US"/>
           </a:p>
@@ -2193,7 +2193,7 @@
           <a:p>
             <a:fld id="{6F81013B-5B06-4D28-96F1-D627B35C6F6A}" type="datetimeFigureOut">
               <a:rPr lang="en-US" smtClean="0"/>
-              <a:t>9/27/2017</a:t>
+              <a:t>9/28/2017</a:t>
             </a:fld>
             <a:endParaRPr lang="en-US"/>
           </a:p>
@@ -2288,7 +2288,7 @@
           <a:p>
             <a:fld id="{6F81013B-5B06-4D28-96F1-D627B35C6F6A}" type="datetimeFigureOut">
               <a:rPr lang="en-US" smtClean="0"/>
-              <a:t>9/27/2017</a:t>
+              <a:t>9/28/2017</a:t>
             </a:fld>
             <a:endParaRPr lang="en-US"/>
           </a:p>
@@ -2565,7 +2565,7 @@
           <a:p>
             <a:fld id="{6F81013B-5B06-4D28-96F1-D627B35C6F6A}" type="datetimeFigureOut">
               <a:rPr lang="en-US" smtClean="0"/>
-              <a:t>9/27/2017</a:t>
+              <a:t>9/28/2017</a:t>
             </a:fld>
             <a:endParaRPr lang="en-US"/>
           </a:p>
@@ -2818,7 +2818,7 @@
           <a:p>
             <a:fld id="{6F81013B-5B06-4D28-96F1-D627B35C6F6A}" type="datetimeFigureOut">
               <a:rPr lang="en-US" smtClean="0"/>
-              <a:t>9/27/2017</a:t>
+              <a:t>9/28/2017</a:t>
             </a:fld>
             <a:endParaRPr lang="en-US"/>
           </a:p>
@@ -3031,7 +3031,7 @@
           <a:p>
             <a:fld id="{6F81013B-5B06-4D28-96F1-D627B35C6F6A}" type="datetimeFigureOut">
               <a:rPr lang="en-US" smtClean="0"/>
-              <a:t>9/27/2017</a:t>
+              <a:t>9/28/2017</a:t>
             </a:fld>
             <a:endParaRPr lang="en-US"/>
           </a:p>
@@ -3475,7 +3475,7 @@
         <p:spPr>
           <a:xfrm>
             <a:off x="537411" y="1090863"/>
-            <a:ext cx="10948736" cy="5909310"/>
+            <a:ext cx="10948736" cy="6186309"/>
           </a:xfrm>
           <a:prstGeom prst="rect">
             <a:avLst/>
@@ -3496,21 +3496,8 @@
           <a:p>
             <a:r>
               <a:rPr lang="en-US" dirty="0" smtClean="0"/>
-              <a:t>Participants (</a:t>
-            </a:r>
-            <a:r>
-              <a:rPr lang="en-US" dirty="0" smtClean="0"/>
-              <a:t>n=x): </a:t>
-            </a:r>
-            <a:r>
-              <a:rPr lang="en-US" dirty="0" smtClean="0"/>
-              <a:t>Age&gt;50 with mild to moderate hearing </a:t>
-            </a:r>
-            <a:r>
-              <a:rPr lang="en-US" dirty="0" smtClean="0"/>
-              <a:t>loss. Hearing aid users</a:t>
-            </a:r>
-            <a:endParaRPr lang="en-US" dirty="0" smtClean="0"/>
+              <a:t>Participants (n=32): Mean age=65 (31-78). Mild to moderate hearing loss. Hearing aid users</a:t>
+            </a:r>
           </a:p>
           <a:p>
             <a:r>
@@ -3687,34 +3674,18 @@
               <a:buChar char="•"/>
             </a:pPr>
             <a:r>
+              <a:rPr lang="en-US" b="1" dirty="0" smtClean="0"/>
+              <a:t>Alpha power</a:t>
+            </a:r>
+            <a:r>
               <a:rPr lang="en-US" dirty="0" smtClean="0"/>
-              <a:t>Alpha peak selected between 7.5 and 12.5 </a:t>
+              <a:t> calculated between 7.5 and 12.5 </a:t>
             </a:r>
             <a:r>
               <a:rPr lang="en-US" dirty="0" err="1" smtClean="0"/>
               <a:t>hz</a:t>
             </a:r>
-            <a:r>
-              <a:rPr lang="en-US" dirty="0" smtClean="0"/>
-              <a:t>. </a:t>
-            </a:r>
-            <a:r>
-              <a:rPr lang="en-US" dirty="0"/>
-              <a:t>Peak +/- 2hz are </a:t>
-            </a:r>
-            <a:r>
-              <a:rPr lang="en-US" dirty="0" smtClean="0"/>
-              <a:t>selected as a 4 </a:t>
-            </a:r>
-            <a:r>
-              <a:rPr lang="en-US" dirty="0" err="1" smtClean="0"/>
-              <a:t>hz</a:t>
-            </a:r>
-            <a:r>
-              <a:rPr lang="en-US" dirty="0" smtClean="0"/>
-              <a:t> window. </a:t>
-            </a:r>
-            <a:endParaRPr lang="en-US" dirty="0"/>
+            <a:endParaRPr lang="en-US" dirty="0" smtClean="0"/>
           </a:p>
           <a:p>
             <a:pPr marL="285750" indent="-285750">
@@ -3723,7 +3694,7 @@
             </a:pPr>
             <a:r>
               <a:rPr lang="en-US" dirty="0" smtClean="0"/>
-              <a:t>Alpha peak power is calculated around 4 </a:t>
+              <a:t>Alpha peak selected between 7.5 and 12.5 </a:t>
             </a:r>
             <a:r>
               <a:rPr lang="en-US" dirty="0" err="1" smtClean="0"/>
@@ -3731,9 +3702,47 @@
             </a:r>
             <a:r>
               <a:rPr lang="en-US" dirty="0" smtClean="0"/>
+              <a:t>. </a:t>
+            </a:r>
+            <a:r>
+              <a:rPr lang="en-US" dirty="0"/>
+              <a:t>Peak +/- 2hz are </a:t>
+            </a:r>
+            <a:r>
+              <a:rPr lang="en-US" dirty="0" smtClean="0"/>
+              <a:t>selected as a 4 </a:t>
+            </a:r>
+            <a:r>
+              <a:rPr lang="en-US" dirty="0" err="1" smtClean="0"/>
+              <a:t>hz</a:t>
+            </a:r>
+            <a:r>
+              <a:rPr lang="en-US" dirty="0" smtClean="0"/>
+              <a:t> window. </a:t>
+            </a:r>
+            <a:endParaRPr lang="en-US" dirty="0"/>
+          </a:p>
+          <a:p>
+            <a:pPr marL="285750" indent="-285750">
+              <a:buFont typeface="Arial" panose="020B0604020202020204" pitchFamily="34" charset="0"/>
+              <a:buChar char="•"/>
+            </a:pPr>
+            <a:r>
+              <a:rPr lang="en-US" b="1" dirty="0" smtClean="0"/>
+              <a:t>Alpha peak power</a:t>
+            </a:r>
+            <a:r>
+              <a:rPr lang="en-US" dirty="0" smtClean="0"/>
+              <a:t> is calculated around 4 </a:t>
+            </a:r>
+            <a:r>
+              <a:rPr lang="en-US" dirty="0" err="1" smtClean="0"/>
+              <a:t>hz</a:t>
+            </a:r>
+            <a:r>
+              <a:rPr lang="en-US" dirty="0" smtClean="0"/>
               <a:t> window</a:t>
             </a:r>
-            <a:endParaRPr lang="en-US" dirty="0" smtClean="0"/>
           </a:p>
           <a:p>
             <a:pPr marL="285750" indent="-285750">
@@ -3822,7 +3831,9 @@
         </p:nvSpPr>
         <p:spPr/>
         <p:txBody>
-          <a:bodyPr/>
+          <a:bodyPr>
+            <a:normAutofit fontScale="92500" lnSpcReduction="20000"/>
+          </a:bodyPr>
           <a:lstStyle/>
           <a:p>
             <a:r>
@@ -3831,8 +3842,106 @@
             </a:r>
             <a:r>
               <a:rPr lang="en-US" dirty="0" smtClean="0"/>
-              <a:t>data?</a:t>
-            </a:r>
+              <a:t>data</a:t>
+            </a:r>
+            <a:r>
+              <a:rPr lang="en-US" dirty="0" smtClean="0"/>
+              <a:t>?</a:t>
+            </a:r>
+          </a:p>
+          <a:p>
+            <a:r>
+              <a:rPr lang="en-US" dirty="0" smtClean="0"/>
+              <a:t>ISI-2-2.5 seconds</a:t>
+            </a:r>
+          </a:p>
+          <a:p>
+            <a:r>
+              <a:rPr lang="en-US" dirty="0" smtClean="0"/>
+              <a:t>300-400 </a:t>
+            </a:r>
+            <a:r>
+              <a:rPr lang="en-US" dirty="0" err="1" smtClean="0"/>
+              <a:t>msec</a:t>
+            </a:r>
+            <a:r>
+              <a:rPr lang="en-US" dirty="0" smtClean="0"/>
+              <a:t> alpha suppression </a:t>
+            </a:r>
+          </a:p>
+          <a:p>
+            <a:r>
+              <a:rPr lang="en-US" dirty="0" smtClean="0"/>
+              <a:t>alpha suppression after syllable </a:t>
+            </a:r>
+          </a:p>
+          <a:p>
+            <a:r>
+              <a:rPr lang="en-US" dirty="0" smtClean="0"/>
+              <a:t>2012 parametric variation Strauss, </a:t>
+            </a:r>
+            <a:r>
+              <a:rPr lang="en-US" dirty="0" err="1" smtClean="0"/>
+              <a:t>Neuroimage</a:t>
+            </a:r>
+            <a:endParaRPr lang="en-US" dirty="0" smtClean="0"/>
+          </a:p>
+          <a:p>
+            <a:r>
+              <a:rPr lang="en-US" dirty="0" err="1" smtClean="0"/>
+              <a:t>Pz</a:t>
+            </a:r>
+            <a:r>
+              <a:rPr lang="en-US" dirty="0" smtClean="0"/>
+              <a:t>, change in alpha compared to baseline. 400-800 </a:t>
+            </a:r>
+            <a:r>
+              <a:rPr lang="en-US" dirty="0" err="1" smtClean="0"/>
+              <a:t>msec</a:t>
+            </a:r>
+            <a:endParaRPr lang="en-US" dirty="0" smtClean="0"/>
+          </a:p>
+          <a:p>
+            <a:r>
+              <a:rPr lang="en-US" dirty="0" smtClean="0"/>
+              <a:t>Add noise, reduce alpha suppression. </a:t>
+            </a:r>
+          </a:p>
+          <a:p>
+            <a:r>
+              <a:rPr lang="en-US" dirty="0" smtClean="0"/>
+              <a:t>Fieldtrip tutorial. Trials time frequency, </a:t>
+            </a:r>
+            <a:r>
+              <a:rPr lang="en-US" dirty="0" err="1" smtClean="0"/>
+              <a:t>intertrial</a:t>
+            </a:r>
+            <a:r>
+              <a:rPr lang="en-US" dirty="0" smtClean="0"/>
+              <a:t> phase coherence</a:t>
+            </a:r>
+          </a:p>
+          <a:p>
+            <a:r>
+              <a:rPr lang="en-US" dirty="0" smtClean="0"/>
+              <a:t>Han taper window FT-</a:t>
+            </a:r>
+            <a:r>
+              <a:rPr lang="en-US" dirty="0" err="1" smtClean="0"/>
+              <a:t>frac</a:t>
+            </a:r>
+            <a:r>
+              <a:rPr lang="en-US" dirty="0" smtClean="0"/>
+              <a:t> analysis</a:t>
+            </a:r>
+          </a:p>
+          <a:p>
+            <a:r>
+              <a:rPr lang="en-US" smtClean="0"/>
+              <a:t>Time frequency code</a:t>
+            </a:r>
+          </a:p>
+          <a:p>
             <a:endParaRPr lang="en-US" dirty="0"/>
           </a:p>
         </p:txBody>
@@ -4277,6 +4386,13 @@
   <p:clrMapOvr>
     <a:masterClrMapping/>
   </p:clrMapOvr>
+  <p:timing>
+    <p:tnLst>
+      <p:par>
+        <p:cTn id="1" dur="indefinite" restart="never" nodeType="tmRoot"/>
+      </p:par>
+    </p:tnLst>
+  </p:timing>
 </p:sld>
 </file>
 
@@ -4357,8 +4473,12 @@
               </a:spcBef>
             </a:pPr>
             <a:r>
-              <a:rPr lang="en-US" sz="6400" dirty="0" err="1"/>
+              <a:rPr lang="en-US" sz="6400" dirty="0" err="1" smtClean="0"/>
               <a:t>MoCA</a:t>
+            </a:r>
+            <a:r>
+              <a:rPr lang="en-US" sz="6400" dirty="0" smtClean="0"/>
+              <a:t> – Montreal Cognitive Assessment</a:t>
             </a:r>
             <a:endParaRPr lang="en-US" sz="6400" dirty="0"/>
           </a:p>
@@ -4429,8 +4549,13 @@
             </a:pPr>
             <a:r>
               <a:rPr lang="en-US" sz="6400" dirty="0"/>
-              <a:t>ANL (Unaided)</a:t>
-            </a:r>
+              <a:t>ANL (Unaided</a:t>
+            </a:r>
+            <a:r>
+              <a:rPr lang="en-US" sz="6400" dirty="0" smtClean="0"/>
+              <a:t>) – Acceptable Noise Level</a:t>
+            </a:r>
+            <a:endParaRPr lang="en-US" sz="6400" dirty="0"/>
           </a:p>
           <a:p>
             <a:pPr lvl="0">
@@ -4451,7 +4576,7 @@
             </a:r>
             <a:r>
               <a:rPr lang="en-US" sz="6400" dirty="0" smtClean="0"/>
-              <a:t>)</a:t>
+              <a:t>)- Hearing In Noise Test</a:t>
             </a:r>
           </a:p>
           <a:p>
@@ -4492,7 +4617,7 @@
             </a:r>
             <a:r>
               <a:rPr lang="en-US" sz="6400" dirty="0" smtClean="0"/>
-              <a:t>Estimates</a:t>
+              <a:t>Estimates – Multimodal Lexical Sentence Test</a:t>
             </a:r>
           </a:p>
           <a:p>
@@ -4506,7 +4631,7 @@
             </a:pPr>
             <a:r>
               <a:rPr lang="en-US" sz="6400" dirty="0" smtClean="0"/>
-              <a:t>APHAB</a:t>
+              <a:t>APHAB – Abbreviated Profile of Hearing Aid Benefit</a:t>
             </a:r>
           </a:p>
           <a:p>
@@ -4520,7 +4645,7 @@
             </a:pPr>
             <a:r>
               <a:rPr lang="en-US" sz="6400" dirty="0" smtClean="0"/>
-              <a:t>HHIE/HHIA</a:t>
+              <a:t>HHIE/HHIA – Hearing Handicap Inventory for Elderly</a:t>
             </a:r>
           </a:p>
           <a:p>
@@ -4534,21 +4659,21 @@
             </a:pPr>
             <a:r>
               <a:rPr lang="en-US" sz="6400" dirty="0" smtClean="0"/>
-              <a:t>DOSO</a:t>
+              <a:t>DOSO – Development of the Device-Oriented Subjective Outcome</a:t>
             </a:r>
             <a:br>
               <a:rPr lang="en-US" sz="6400" dirty="0" smtClean="0"/>
             </a:br>
             <a:r>
               <a:rPr lang="en-US" sz="6400" dirty="0" smtClean="0"/>
-              <a:t>SADL</a:t>
+              <a:t>SADL – Satisfaction with Amplification in Daily Life</a:t>
             </a:r>
             <a:br>
               <a:rPr lang="en-US" sz="6400" dirty="0" smtClean="0"/>
             </a:br>
             <a:r>
               <a:rPr lang="en-US" sz="6400" dirty="0" smtClean="0"/>
-              <a:t>IOI-HA</a:t>
+              <a:t>IOI-HA – International Outcome Inventory for Hearing Aids</a:t>
             </a:r>
           </a:p>
           <a:p>
@@ -4562,21 +4687,7 @@
             </a:pPr>
             <a:r>
               <a:rPr lang="en-US" sz="6400" dirty="0" smtClean="0"/>
-              <a:t>SSQ12</a:t>
-            </a:r>
-          </a:p>
-          <a:p>
-            <a:pPr lvl="0">
-              <a:lnSpc>
-                <a:spcPct val="120000"/>
-              </a:lnSpc>
-              <a:spcBef>
-                <a:spcPts val="0"/>
-              </a:spcBef>
-            </a:pPr>
-            <a:r>
-              <a:rPr lang="en-US" sz="6400" dirty="0" smtClean="0"/>
-              <a:t>CPIB</a:t>
+              <a:t>SSQ12 – Speech Spatial and Qualities of Hearing</a:t>
             </a:r>
           </a:p>
           <a:p>
@@ -4761,8 +4872,8 @@
         </p:nvSpPr>
         <p:spPr>
           <a:xfrm>
-            <a:off x="2618487" y="1522246"/>
-            <a:ext cx="1276119" cy="369332"/>
+            <a:off x="1708692" y="1599190"/>
+            <a:ext cx="2124108" cy="584775"/>
           </a:xfrm>
           <a:prstGeom prst="rect">
             <a:avLst/>
@@ -4776,10 +4887,10 @@
           <a:lstStyle/>
           <a:p>
             <a:r>
-              <a:rPr lang="en-US" dirty="0" smtClean="0"/>
+              <a:rPr lang="en-US" sz="3200" u="sng" dirty="0" smtClean="0"/>
               <a:t>Eyes Closed</a:t>
             </a:r>
-            <a:endParaRPr lang="en-US" dirty="0"/>
+            <a:endParaRPr lang="en-US" sz="3200" u="sng" dirty="0"/>
           </a:p>
         </p:txBody>
       </p:sp>
@@ -4816,7 +4927,7 @@
         <p:spPr>
           <a:xfrm>
             <a:off x="8065155" y="1506197"/>
-            <a:ext cx="1162306" cy="369332"/>
+            <a:ext cx="1922129" cy="584775"/>
           </a:xfrm>
           <a:prstGeom prst="rect">
             <a:avLst/>
@@ -4830,10 +4941,10 @@
           <a:lstStyle/>
           <a:p>
             <a:r>
-              <a:rPr lang="en-US" dirty="0" smtClean="0"/>
+              <a:rPr lang="en-US" sz="3200" u="sng" dirty="0" smtClean="0"/>
               <a:t>Eyes Open</a:t>
             </a:r>
-            <a:endParaRPr lang="en-US" dirty="0"/>
+            <a:endParaRPr lang="en-US" sz="3200" u="sng" dirty="0"/>
           </a:p>
         </p:txBody>
       </p:sp>
@@ -5265,6 +5376,13 @@
   <p:clrMapOvr>
     <a:masterClrMapping/>
   </p:clrMapOvr>
+  <p:timing>
+    <p:tnLst>
+      <p:par>
+        <p:cTn id="1" dur="indefinite" restart="never" nodeType="tmRoot"/>
+      </p:par>
+    </p:tnLst>
+  </p:timing>
 </p:sld>
 </file>
 
@@ -5397,6 +5515,13 @@
   <p:clrMapOvr>
     <a:masterClrMapping/>
   </p:clrMapOvr>
+  <p:timing>
+    <p:tnLst>
+      <p:par>
+        <p:cTn id="1" dur="indefinite" restart="never" nodeType="tmRoot"/>
+      </p:par>
+    </p:tnLst>
+  </p:timing>
 </p:sld>
 </file>
 
